--- a/docs/Infrastructure.pptx
+++ b/docs/Infrastructure.pptx
@@ -7,6 +7,7 @@
   <p:sldIdLst>
     <p:sldId id="256" r:id="rId2"/>
     <p:sldId id="257" r:id="rId3"/>
+    <p:sldId id="258" r:id="rId4"/>
   </p:sldIdLst>
   <p:sldSz cx="12192000" cy="6858000"/>
   <p:notesSz cx="6858000" cy="9144000"/>
@@ -116,7 +117,7 @@
 <file path=ppt/revisionInfo.xml><?xml version="1.0" encoding="utf-8"?>
 <p1510:revInfo xmlns:a="http://schemas.openxmlformats.org/drawingml/2006/main" xmlns:r="http://schemas.openxmlformats.org/officeDocument/2006/relationships" xmlns:p1510="http://schemas.microsoft.com/office/powerpoint/2015/10/main">
   <p1510:revLst>
-    <p1510:client id="{C50B6E07-3175-48D8-A2AD-63ED605C8B69}" v="12" dt="2022-05-27T16:14:13.991"/>
+    <p1510:client id="{C50B6E07-3175-48D8-A2AD-63ED605C8B69}" v="26" dt="2022-06-04T21:19:08.746"/>
   </p1510:revLst>
 </p1510:revInfo>
 </file>
@@ -126,7 +127,7 @@
   <pc:docChgLst>
     <pc:chgData name="V M" userId="216c61d0cbbde6b1" providerId="LiveId" clId="{C50B6E07-3175-48D8-A2AD-63ED605C8B69}"/>
     <pc:docChg chg="undo custSel addSld modSld">
-      <pc:chgData name="V M" userId="216c61d0cbbde6b1" providerId="LiveId" clId="{C50B6E07-3175-48D8-A2AD-63ED605C8B69}" dt="2022-05-27T16:15:13.018" v="144" actId="20577"/>
+      <pc:chgData name="V M" userId="216c61d0cbbde6b1" providerId="LiveId" clId="{C50B6E07-3175-48D8-A2AD-63ED605C8B69}" dt="2022-06-04T21:19:19.065" v="306" actId="1076"/>
       <pc:docMkLst>
         <pc:docMk/>
       </pc:docMkLst>
@@ -557,6 +558,325 @@
             <pc:docMk/>
             <pc:sldMk cId="3781888497" sldId="257"/>
             <ac:cxnSpMk id="52" creationId="{8F94CE55-A3FF-41E1-A550-BEB885C98F34}"/>
+          </ac:cxnSpMkLst>
+        </pc:cxnChg>
+      </pc:sldChg>
+      <pc:sldChg chg="addSp delSp modSp new mod">
+        <pc:chgData name="V M" userId="216c61d0cbbde6b1" providerId="LiveId" clId="{C50B6E07-3175-48D8-A2AD-63ED605C8B69}" dt="2022-06-04T21:19:19.065" v="306" actId="1076"/>
+        <pc:sldMkLst>
+          <pc:docMk/>
+          <pc:sldMk cId="815286634" sldId="258"/>
+        </pc:sldMkLst>
+        <pc:spChg chg="add mod">
+          <ac:chgData name="V M" userId="216c61d0cbbde6b1" providerId="LiveId" clId="{C50B6E07-3175-48D8-A2AD-63ED605C8B69}" dt="2022-06-04T21:13:52.454" v="169" actId="164"/>
+          <ac:spMkLst>
+            <pc:docMk/>
+            <pc:sldMk cId="815286634" sldId="258"/>
+            <ac:spMk id="2" creationId="{E978445F-214B-DBB5-7411-52F9196BB379}"/>
+          </ac:spMkLst>
+        </pc:spChg>
+        <pc:spChg chg="add mod">
+          <ac:chgData name="V M" userId="216c61d0cbbde6b1" providerId="LiveId" clId="{C50B6E07-3175-48D8-A2AD-63ED605C8B69}" dt="2022-06-04T21:16:42.831" v="250" actId="1076"/>
+          <ac:spMkLst>
+            <pc:docMk/>
+            <pc:sldMk cId="815286634" sldId="258"/>
+            <ac:spMk id="3" creationId="{304390FB-8FF6-6937-D427-509C69EC0BD0}"/>
+          </ac:spMkLst>
+        </pc:spChg>
+        <pc:spChg chg="add mod">
+          <ac:chgData name="V M" userId="216c61d0cbbde6b1" providerId="LiveId" clId="{C50B6E07-3175-48D8-A2AD-63ED605C8B69}" dt="2022-06-04T21:18:23.836" v="274" actId="1076"/>
+          <ac:spMkLst>
+            <pc:docMk/>
+            <pc:sldMk cId="815286634" sldId="258"/>
+            <ac:spMk id="5" creationId="{7F67E45D-197D-0818-DC23-D6A283FE68E7}"/>
+          </ac:spMkLst>
+        </pc:spChg>
+        <pc:spChg chg="add mod">
+          <ac:chgData name="V M" userId="216c61d0cbbde6b1" providerId="LiveId" clId="{C50B6E07-3175-48D8-A2AD-63ED605C8B69}" dt="2022-06-04T21:18:23.836" v="274" actId="1076"/>
+          <ac:spMkLst>
+            <pc:docMk/>
+            <pc:sldMk cId="815286634" sldId="258"/>
+            <ac:spMk id="6" creationId="{68EF4A68-C65E-F109-860E-BE597DA109E4}"/>
+          </ac:spMkLst>
+        </pc:spChg>
+        <pc:spChg chg="mod topLvl">
+          <ac:chgData name="V M" userId="216c61d0cbbde6b1" providerId="LiveId" clId="{C50B6E07-3175-48D8-A2AD-63ED605C8B69}" dt="2022-06-04T21:15:57.494" v="227" actId="164"/>
+          <ac:spMkLst>
+            <pc:docMk/>
+            <pc:sldMk cId="815286634" sldId="258"/>
+            <ac:spMk id="10" creationId="{C5FDD11E-5AC6-C4D7-545A-4486BD92F9F3}"/>
+          </ac:spMkLst>
+        </pc:spChg>
+        <pc:spChg chg="mod topLvl">
+          <ac:chgData name="V M" userId="216c61d0cbbde6b1" providerId="LiveId" clId="{C50B6E07-3175-48D8-A2AD-63ED605C8B69}" dt="2022-06-04T21:15:57.494" v="227" actId="164"/>
+          <ac:spMkLst>
+            <pc:docMk/>
+            <pc:sldMk cId="815286634" sldId="258"/>
+            <ac:spMk id="11" creationId="{14FC8270-7935-47B0-2916-B7D95E06E19D}"/>
+          </ac:spMkLst>
+        </pc:spChg>
+        <pc:spChg chg="mod">
+          <ac:chgData name="V M" userId="216c61d0cbbde6b1" providerId="LiveId" clId="{C50B6E07-3175-48D8-A2AD-63ED605C8B69}" dt="2022-06-04T21:16:04.896" v="229"/>
+          <ac:spMkLst>
+            <pc:docMk/>
+            <pc:sldMk cId="815286634" sldId="258"/>
+            <ac:spMk id="14" creationId="{3F9A14CA-6843-2559-B765-B65A3948402A}"/>
+          </ac:spMkLst>
+        </pc:spChg>
+        <pc:spChg chg="mod">
+          <ac:chgData name="V M" userId="216c61d0cbbde6b1" providerId="LiveId" clId="{C50B6E07-3175-48D8-A2AD-63ED605C8B69}" dt="2022-06-04T21:17:03.173" v="253" actId="1076"/>
+          <ac:spMkLst>
+            <pc:docMk/>
+            <pc:sldMk cId="815286634" sldId="258"/>
+            <ac:spMk id="15" creationId="{BF027E2E-A4A8-8FA0-F056-E4FC0EDDD910}"/>
+          </ac:spMkLst>
+        </pc:spChg>
+        <pc:spChg chg="add mod">
+          <ac:chgData name="V M" userId="216c61d0cbbde6b1" providerId="LiveId" clId="{C50B6E07-3175-48D8-A2AD-63ED605C8B69}" dt="2022-06-04T21:18:23.836" v="274" actId="1076"/>
+          <ac:spMkLst>
+            <pc:docMk/>
+            <pc:sldMk cId="815286634" sldId="258"/>
+            <ac:spMk id="16" creationId="{ABFB0088-C868-AE47-605C-B7AA089F7447}"/>
+          </ac:spMkLst>
+        </pc:spChg>
+        <pc:spChg chg="add mod">
+          <ac:chgData name="V M" userId="216c61d0cbbde6b1" providerId="LiveId" clId="{C50B6E07-3175-48D8-A2AD-63ED605C8B69}" dt="2022-06-04T21:18:23.836" v="274" actId="1076"/>
+          <ac:spMkLst>
+            <pc:docMk/>
+            <pc:sldMk cId="815286634" sldId="258"/>
+            <ac:spMk id="17" creationId="{87A8CA9B-6EF7-AB01-5B38-46A3714B7AFA}"/>
+          </ac:spMkLst>
+        </pc:spChg>
+        <pc:spChg chg="mod">
+          <ac:chgData name="V M" userId="216c61d0cbbde6b1" providerId="LiveId" clId="{C50B6E07-3175-48D8-A2AD-63ED605C8B69}" dt="2022-06-04T21:18:02.891" v="262"/>
+          <ac:spMkLst>
+            <pc:docMk/>
+            <pc:sldMk cId="815286634" sldId="258"/>
+            <ac:spMk id="29" creationId="{2F35446E-8865-9BBB-7C84-D25C72DD2352}"/>
+          </ac:spMkLst>
+        </pc:spChg>
+        <pc:spChg chg="mod">
+          <ac:chgData name="V M" userId="216c61d0cbbde6b1" providerId="LiveId" clId="{C50B6E07-3175-48D8-A2AD-63ED605C8B69}" dt="2022-06-04T21:18:11.491" v="268" actId="20577"/>
+          <ac:spMkLst>
+            <pc:docMk/>
+            <pc:sldMk cId="815286634" sldId="258"/>
+            <ac:spMk id="30" creationId="{ED078E6D-35E8-4354-FBA4-03BB23CE1B0A}"/>
+          </ac:spMkLst>
+        </pc:spChg>
+        <pc:spChg chg="add mod">
+          <ac:chgData name="V M" userId="216c61d0cbbde6b1" providerId="LiveId" clId="{C50B6E07-3175-48D8-A2AD-63ED605C8B69}" dt="2022-06-04T21:18:23.836" v="274" actId="1076"/>
+          <ac:spMkLst>
+            <pc:docMk/>
+            <pc:sldMk cId="815286634" sldId="258"/>
+            <ac:spMk id="31" creationId="{E5DCEEA4-7CC6-6BFC-78C2-7E69FA1AF6DF}"/>
+          </ac:spMkLst>
+        </pc:spChg>
+        <pc:spChg chg="add mod">
+          <ac:chgData name="V M" userId="216c61d0cbbde6b1" providerId="LiveId" clId="{C50B6E07-3175-48D8-A2AD-63ED605C8B69}" dt="2022-06-04T21:18:23.836" v="274" actId="1076"/>
+          <ac:spMkLst>
+            <pc:docMk/>
+            <pc:sldMk cId="815286634" sldId="258"/>
+            <ac:spMk id="32" creationId="{19501AF2-634A-C477-C81D-6237427C9E0A}"/>
+          </ac:spMkLst>
+        </pc:spChg>
+        <pc:spChg chg="mod">
+          <ac:chgData name="V M" userId="216c61d0cbbde6b1" providerId="LiveId" clId="{C50B6E07-3175-48D8-A2AD-63ED605C8B69}" dt="2022-06-04T21:18:02.891" v="262"/>
+          <ac:spMkLst>
+            <pc:docMk/>
+            <pc:sldMk cId="815286634" sldId="258"/>
+            <ac:spMk id="35" creationId="{A56E9296-27B5-77CC-F6F2-4D1D0F114B40}"/>
+          </ac:spMkLst>
+        </pc:spChg>
+        <pc:spChg chg="mod">
+          <ac:chgData name="V M" userId="216c61d0cbbde6b1" providerId="LiveId" clId="{C50B6E07-3175-48D8-A2AD-63ED605C8B69}" dt="2022-06-04T21:18:02.891" v="262"/>
+          <ac:spMkLst>
+            <pc:docMk/>
+            <pc:sldMk cId="815286634" sldId="258"/>
+            <ac:spMk id="36" creationId="{E650CA9D-4F78-732C-6181-7732074CC1D6}"/>
+          </ac:spMkLst>
+        </pc:spChg>
+        <pc:spChg chg="mod">
+          <ac:chgData name="V M" userId="216c61d0cbbde6b1" providerId="LiveId" clId="{C50B6E07-3175-48D8-A2AD-63ED605C8B69}" dt="2022-06-04T21:18:02.891" v="262"/>
+          <ac:spMkLst>
+            <pc:docMk/>
+            <pc:sldMk cId="815286634" sldId="258"/>
+            <ac:spMk id="38" creationId="{4E9F04DD-C5C1-42EA-D214-22DCF8911084}"/>
+          </ac:spMkLst>
+        </pc:spChg>
+        <pc:spChg chg="mod">
+          <ac:chgData name="V M" userId="216c61d0cbbde6b1" providerId="LiveId" clId="{C50B6E07-3175-48D8-A2AD-63ED605C8B69}" dt="2022-06-04T21:18:15.293" v="273" actId="20577"/>
+          <ac:spMkLst>
+            <pc:docMk/>
+            <pc:sldMk cId="815286634" sldId="258"/>
+            <ac:spMk id="39" creationId="{3550C808-C289-F772-E546-8D1490D45041}"/>
+          </ac:spMkLst>
+        </pc:spChg>
+        <pc:spChg chg="add mod">
+          <ac:chgData name="V M" userId="216c61d0cbbde6b1" providerId="LiveId" clId="{C50B6E07-3175-48D8-A2AD-63ED605C8B69}" dt="2022-06-04T21:18:23.836" v="274" actId="1076"/>
+          <ac:spMkLst>
+            <pc:docMk/>
+            <pc:sldMk cId="815286634" sldId="258"/>
+            <ac:spMk id="40" creationId="{BEEB4F7D-FB7A-D886-FCA5-C4637C520ADD}"/>
+          </ac:spMkLst>
+        </pc:spChg>
+        <pc:spChg chg="add mod">
+          <ac:chgData name="V M" userId="216c61d0cbbde6b1" providerId="LiveId" clId="{C50B6E07-3175-48D8-A2AD-63ED605C8B69}" dt="2022-06-04T21:18:23.836" v="274" actId="1076"/>
+          <ac:spMkLst>
+            <pc:docMk/>
+            <pc:sldMk cId="815286634" sldId="258"/>
+            <ac:spMk id="41" creationId="{2E58A565-5A71-21FF-AD8F-EA7460C25EF7}"/>
+          </ac:spMkLst>
+        </pc:spChg>
+        <pc:spChg chg="add mod">
+          <ac:chgData name="V M" userId="216c61d0cbbde6b1" providerId="LiveId" clId="{C50B6E07-3175-48D8-A2AD-63ED605C8B69}" dt="2022-06-04T21:18:36.030" v="285" actId="1076"/>
+          <ac:spMkLst>
+            <pc:docMk/>
+            <pc:sldMk cId="815286634" sldId="258"/>
+            <ac:spMk id="45" creationId="{3F98E12E-A977-26AB-1625-0C51155FAC0F}"/>
+          </ac:spMkLst>
+        </pc:spChg>
+        <pc:spChg chg="add mod">
+          <ac:chgData name="V M" userId="216c61d0cbbde6b1" providerId="LiveId" clId="{C50B6E07-3175-48D8-A2AD-63ED605C8B69}" dt="2022-06-04T21:18:49.769" v="300" actId="1076"/>
+          <ac:spMkLst>
+            <pc:docMk/>
+            <pc:sldMk cId="815286634" sldId="258"/>
+            <ac:spMk id="46" creationId="{00625A49-A908-CEDE-5701-D1B63CEFEF53}"/>
+          </ac:spMkLst>
+        </pc:spChg>
+        <pc:spChg chg="add mod">
+          <ac:chgData name="V M" userId="216c61d0cbbde6b1" providerId="LiveId" clId="{C50B6E07-3175-48D8-A2AD-63ED605C8B69}" dt="2022-06-04T21:19:05.410" v="304" actId="1076"/>
+          <ac:spMkLst>
+            <pc:docMk/>
+            <pc:sldMk cId="815286634" sldId="258"/>
+            <ac:spMk id="47" creationId="{33BE0EA8-30A2-99F9-F7E7-4583D052FD14}"/>
+          </ac:spMkLst>
+        </pc:spChg>
+        <pc:spChg chg="add mod">
+          <ac:chgData name="V M" userId="216c61d0cbbde6b1" providerId="LiveId" clId="{C50B6E07-3175-48D8-A2AD-63ED605C8B69}" dt="2022-06-04T21:19:19.065" v="306" actId="1076"/>
+          <ac:spMkLst>
+            <pc:docMk/>
+            <pc:sldMk cId="815286634" sldId="258"/>
+            <ac:spMk id="48" creationId="{E70F4659-797B-CABD-4802-C581829B6EB1}"/>
+          </ac:spMkLst>
+        </pc:spChg>
+        <pc:grpChg chg="add mod">
+          <ac:chgData name="V M" userId="216c61d0cbbde6b1" providerId="LiveId" clId="{C50B6E07-3175-48D8-A2AD-63ED605C8B69}" dt="2022-06-04T21:18:23.836" v="274" actId="1076"/>
+          <ac:grpSpMkLst>
+            <pc:docMk/>
+            <pc:sldMk cId="815286634" sldId="258"/>
+            <ac:grpSpMk id="4" creationId="{41340FC2-21C3-30BB-3E34-2F78EE8C1CB9}"/>
+          </ac:grpSpMkLst>
+        </pc:grpChg>
+        <pc:grpChg chg="add del mod">
+          <ac:chgData name="V M" userId="216c61d0cbbde6b1" providerId="LiveId" clId="{C50B6E07-3175-48D8-A2AD-63ED605C8B69}" dt="2022-06-04T21:15:38.803" v="224" actId="165"/>
+          <ac:grpSpMkLst>
+            <pc:docMk/>
+            <pc:sldMk cId="815286634" sldId="258"/>
+            <ac:grpSpMk id="9" creationId="{E8FB3DD1-861B-6DF7-175E-FAC144B7FF18}"/>
+          </ac:grpSpMkLst>
+        </pc:grpChg>
+        <pc:grpChg chg="add mod">
+          <ac:chgData name="V M" userId="216c61d0cbbde6b1" providerId="LiveId" clId="{C50B6E07-3175-48D8-A2AD-63ED605C8B69}" dt="2022-06-04T21:18:23.836" v="274" actId="1076"/>
+          <ac:grpSpMkLst>
+            <pc:docMk/>
+            <pc:sldMk cId="815286634" sldId="258"/>
+            <ac:grpSpMk id="12" creationId="{495612A7-5EF8-D266-C6A3-723FDD539FC4}"/>
+          </ac:grpSpMkLst>
+        </pc:grpChg>
+        <pc:grpChg chg="add mod">
+          <ac:chgData name="V M" userId="216c61d0cbbde6b1" providerId="LiveId" clId="{C50B6E07-3175-48D8-A2AD-63ED605C8B69}" dt="2022-06-04T21:18:23.836" v="274" actId="1076"/>
+          <ac:grpSpMkLst>
+            <pc:docMk/>
+            <pc:sldMk cId="815286634" sldId="258"/>
+            <ac:grpSpMk id="13" creationId="{9A5DF3F4-AC54-DA00-22FC-ACB8A9111DAA}"/>
+          </ac:grpSpMkLst>
+        </pc:grpChg>
+        <pc:grpChg chg="add mod">
+          <ac:chgData name="V M" userId="216c61d0cbbde6b1" providerId="LiveId" clId="{C50B6E07-3175-48D8-A2AD-63ED605C8B69}" dt="2022-06-04T21:18:23.836" v="274" actId="1076"/>
+          <ac:grpSpMkLst>
+            <pc:docMk/>
+            <pc:sldMk cId="815286634" sldId="258"/>
+            <ac:grpSpMk id="28" creationId="{9A16E5B8-B7D9-6CF8-337E-F041533FB071}"/>
+          </ac:grpSpMkLst>
+        </pc:grpChg>
+        <pc:grpChg chg="add mod">
+          <ac:chgData name="V M" userId="216c61d0cbbde6b1" providerId="LiveId" clId="{C50B6E07-3175-48D8-A2AD-63ED605C8B69}" dt="2022-06-04T21:18:23.836" v="274" actId="1076"/>
+          <ac:grpSpMkLst>
+            <pc:docMk/>
+            <pc:sldMk cId="815286634" sldId="258"/>
+            <ac:grpSpMk id="34" creationId="{0349896A-B235-A3C4-B071-867A2DDE4ECF}"/>
+          </ac:grpSpMkLst>
+        </pc:grpChg>
+        <pc:grpChg chg="add mod">
+          <ac:chgData name="V M" userId="216c61d0cbbde6b1" providerId="LiveId" clId="{C50B6E07-3175-48D8-A2AD-63ED605C8B69}" dt="2022-06-04T21:18:23.836" v="274" actId="1076"/>
+          <ac:grpSpMkLst>
+            <pc:docMk/>
+            <pc:sldMk cId="815286634" sldId="258"/>
+            <ac:grpSpMk id="37" creationId="{115AA222-696F-B6DB-CAC1-BEA2CB9CDF39}"/>
+          </ac:grpSpMkLst>
+        </pc:grpChg>
+        <pc:cxnChg chg="add mod">
+          <ac:chgData name="V M" userId="216c61d0cbbde6b1" providerId="LiveId" clId="{C50B6E07-3175-48D8-A2AD-63ED605C8B69}" dt="2022-06-04T21:18:23.836" v="274" actId="1076"/>
+          <ac:cxnSpMkLst>
+            <pc:docMk/>
+            <pc:sldMk cId="815286634" sldId="258"/>
+            <ac:cxnSpMk id="8" creationId="{6CC08731-508D-38B6-EAA1-D57877393389}"/>
+          </ac:cxnSpMkLst>
+        </pc:cxnChg>
+        <pc:cxnChg chg="add mod">
+          <ac:chgData name="V M" userId="216c61d0cbbde6b1" providerId="LiveId" clId="{C50B6E07-3175-48D8-A2AD-63ED605C8B69}" dt="2022-06-04T21:18:23.836" v="274" actId="1076"/>
+          <ac:cxnSpMkLst>
+            <pc:docMk/>
+            <pc:sldMk cId="815286634" sldId="258"/>
+            <ac:cxnSpMk id="18" creationId="{D8154CE3-AB87-C67C-F098-7D40F597C91B}"/>
+          </ac:cxnSpMkLst>
+        </pc:cxnChg>
+        <pc:cxnChg chg="add mod">
+          <ac:chgData name="V M" userId="216c61d0cbbde6b1" providerId="LiveId" clId="{C50B6E07-3175-48D8-A2AD-63ED605C8B69}" dt="2022-06-04T21:18:23.836" v="274" actId="1076"/>
+          <ac:cxnSpMkLst>
+            <pc:docMk/>
+            <pc:sldMk cId="815286634" sldId="258"/>
+            <ac:cxnSpMk id="23" creationId="{DD3CB479-3A19-F9F3-7D7E-91A397F04822}"/>
+          </ac:cxnSpMkLst>
+        </pc:cxnChg>
+        <pc:cxnChg chg="add mod">
+          <ac:chgData name="V M" userId="216c61d0cbbde6b1" providerId="LiveId" clId="{C50B6E07-3175-48D8-A2AD-63ED605C8B69}" dt="2022-06-04T21:18:23.836" v="274" actId="1076"/>
+          <ac:cxnSpMkLst>
+            <pc:docMk/>
+            <pc:sldMk cId="815286634" sldId="258"/>
+            <ac:cxnSpMk id="25" creationId="{3C1C552D-4CCB-BD70-DE9D-8497ECC55582}"/>
+          </ac:cxnSpMkLst>
+        </pc:cxnChg>
+        <pc:cxnChg chg="add mod">
+          <ac:chgData name="V M" userId="216c61d0cbbde6b1" providerId="LiveId" clId="{C50B6E07-3175-48D8-A2AD-63ED605C8B69}" dt="2022-06-04T21:18:23.836" v="274" actId="1076"/>
+          <ac:cxnSpMkLst>
+            <pc:docMk/>
+            <pc:sldMk cId="815286634" sldId="258"/>
+            <ac:cxnSpMk id="33" creationId="{3511C6A8-EB8A-6BD1-DAFF-872F0B7BC42E}"/>
+          </ac:cxnSpMkLst>
+        </pc:cxnChg>
+        <pc:cxnChg chg="add mod">
+          <ac:chgData name="V M" userId="216c61d0cbbde6b1" providerId="LiveId" clId="{C50B6E07-3175-48D8-A2AD-63ED605C8B69}" dt="2022-06-04T21:18:23.836" v="274" actId="1076"/>
+          <ac:cxnSpMkLst>
+            <pc:docMk/>
+            <pc:sldMk cId="815286634" sldId="258"/>
+            <ac:cxnSpMk id="42" creationId="{B4CE9E85-3652-5EC0-2067-484B99993601}"/>
+          </ac:cxnSpMkLst>
+        </pc:cxnChg>
+        <pc:cxnChg chg="add mod">
+          <ac:chgData name="V M" userId="216c61d0cbbde6b1" providerId="LiveId" clId="{C50B6E07-3175-48D8-A2AD-63ED605C8B69}" dt="2022-06-04T21:18:23.836" v="274" actId="1076"/>
+          <ac:cxnSpMkLst>
+            <pc:docMk/>
+            <pc:sldMk cId="815286634" sldId="258"/>
+            <ac:cxnSpMk id="43" creationId="{9AD12D53-CB4A-E8C6-FC3F-3C1C18708A1A}"/>
+          </ac:cxnSpMkLst>
+        </pc:cxnChg>
+        <pc:cxnChg chg="add mod">
+          <ac:chgData name="V M" userId="216c61d0cbbde6b1" providerId="LiveId" clId="{C50B6E07-3175-48D8-A2AD-63ED605C8B69}" dt="2022-06-04T21:18:23.836" v="274" actId="1076"/>
+          <ac:cxnSpMkLst>
+            <pc:docMk/>
+            <pc:sldMk cId="815286634" sldId="258"/>
+            <ac:cxnSpMk id="44" creationId="{F8153948-12B2-972E-82F6-6B9871FE2E5A}"/>
           </ac:cxnSpMkLst>
         </pc:cxnChg>
       </pc:sldChg>
@@ -712,7 +1032,7 @@
           <a:p>
             <a:fld id="{DBEFB346-5B0B-4D9B-9620-098DA78BD8C5}" type="datetimeFigureOut">
               <a:rPr lang="en-US" smtClean="0"/>
-              <a:t>5/27/2022</a:t>
+              <a:t>6/4/2022</a:t>
             </a:fld>
             <a:endParaRPr lang="en-US"/>
           </a:p>
@@ -910,7 +1230,7 @@
           <a:p>
             <a:fld id="{DBEFB346-5B0B-4D9B-9620-098DA78BD8C5}" type="datetimeFigureOut">
               <a:rPr lang="en-US" smtClean="0"/>
-              <a:t>5/27/2022</a:t>
+              <a:t>6/4/2022</a:t>
             </a:fld>
             <a:endParaRPr lang="en-US"/>
           </a:p>
@@ -1118,7 +1438,7 @@
           <a:p>
             <a:fld id="{DBEFB346-5B0B-4D9B-9620-098DA78BD8C5}" type="datetimeFigureOut">
               <a:rPr lang="en-US" smtClean="0"/>
-              <a:t>5/27/2022</a:t>
+              <a:t>6/4/2022</a:t>
             </a:fld>
             <a:endParaRPr lang="en-US"/>
           </a:p>
@@ -1316,7 +1636,7 @@
           <a:p>
             <a:fld id="{DBEFB346-5B0B-4D9B-9620-098DA78BD8C5}" type="datetimeFigureOut">
               <a:rPr lang="en-US" smtClean="0"/>
-              <a:t>5/27/2022</a:t>
+              <a:t>6/4/2022</a:t>
             </a:fld>
             <a:endParaRPr lang="en-US"/>
           </a:p>
@@ -1591,7 +1911,7 @@
           <a:p>
             <a:fld id="{DBEFB346-5B0B-4D9B-9620-098DA78BD8C5}" type="datetimeFigureOut">
               <a:rPr lang="en-US" smtClean="0"/>
-              <a:t>5/27/2022</a:t>
+              <a:t>6/4/2022</a:t>
             </a:fld>
             <a:endParaRPr lang="en-US"/>
           </a:p>
@@ -1856,7 +2176,7 @@
           <a:p>
             <a:fld id="{DBEFB346-5B0B-4D9B-9620-098DA78BD8C5}" type="datetimeFigureOut">
               <a:rPr lang="en-US" smtClean="0"/>
-              <a:t>5/27/2022</a:t>
+              <a:t>6/4/2022</a:t>
             </a:fld>
             <a:endParaRPr lang="en-US"/>
           </a:p>
@@ -2268,7 +2588,7 @@
           <a:p>
             <a:fld id="{DBEFB346-5B0B-4D9B-9620-098DA78BD8C5}" type="datetimeFigureOut">
               <a:rPr lang="en-US" smtClean="0"/>
-              <a:t>5/27/2022</a:t>
+              <a:t>6/4/2022</a:t>
             </a:fld>
             <a:endParaRPr lang="en-US"/>
           </a:p>
@@ -2409,7 +2729,7 @@
           <a:p>
             <a:fld id="{DBEFB346-5B0B-4D9B-9620-098DA78BD8C5}" type="datetimeFigureOut">
               <a:rPr lang="en-US" smtClean="0"/>
-              <a:t>5/27/2022</a:t>
+              <a:t>6/4/2022</a:t>
             </a:fld>
             <a:endParaRPr lang="en-US"/>
           </a:p>
@@ -2522,7 +2842,7 @@
           <a:p>
             <a:fld id="{DBEFB346-5B0B-4D9B-9620-098DA78BD8C5}" type="datetimeFigureOut">
               <a:rPr lang="en-US" smtClean="0"/>
-              <a:t>5/27/2022</a:t>
+              <a:t>6/4/2022</a:t>
             </a:fld>
             <a:endParaRPr lang="en-US"/>
           </a:p>
@@ -2833,7 +3153,7 @@
           <a:p>
             <a:fld id="{DBEFB346-5B0B-4D9B-9620-098DA78BD8C5}" type="datetimeFigureOut">
               <a:rPr lang="en-US" smtClean="0"/>
-              <a:t>5/27/2022</a:t>
+              <a:t>6/4/2022</a:t>
             </a:fld>
             <a:endParaRPr lang="en-US"/>
           </a:p>
@@ -3121,7 +3441,7 @@
           <a:p>
             <a:fld id="{DBEFB346-5B0B-4D9B-9620-098DA78BD8C5}" type="datetimeFigureOut">
               <a:rPr lang="en-US" smtClean="0"/>
-              <a:t>5/27/2022</a:t>
+              <a:t>6/4/2022</a:t>
             </a:fld>
             <a:endParaRPr lang="en-US"/>
           </a:p>
@@ -3362,7 +3682,7 @@
           <a:p>
             <a:fld id="{DBEFB346-5B0B-4D9B-9620-098DA78BD8C5}" type="datetimeFigureOut">
               <a:rPr lang="en-US" smtClean="0"/>
-              <a:t>5/27/2022</a:t>
+              <a:t>6/4/2022</a:t>
             </a:fld>
             <a:endParaRPr lang="en-US"/>
           </a:p>
@@ -6155,6 +6475,1460 @@
 </p:sld>
 </file>
 
+<file path=ppt/slides/slide3.xml><?xml version="1.0" encoding="utf-8"?>
+<p:sld xmlns:a="http://schemas.openxmlformats.org/drawingml/2006/main" xmlns:r="http://schemas.openxmlformats.org/officeDocument/2006/relationships" xmlns:p="http://schemas.openxmlformats.org/presentationml/2006/main">
+  <p:cSld>
+    <p:spTree>
+      <p:nvGrpSpPr>
+        <p:cNvPr id="1" name=""/>
+        <p:cNvGrpSpPr/>
+        <p:nvPr/>
+      </p:nvGrpSpPr>
+      <p:grpSpPr>
+        <a:xfrm>
+          <a:off x="0" y="0"/>
+          <a:ext cx="0" cy="0"/>
+          <a:chOff x="0" y="0"/>
+          <a:chExt cx="0" cy="0"/>
+        </a:xfrm>
+      </p:grpSpPr>
+      <p:grpSp>
+        <p:nvGrpSpPr>
+          <p:cNvPr id="4" name="Group 3">
+            <a:extLst>
+              <a:ext uri="{FF2B5EF4-FFF2-40B4-BE49-F238E27FC236}">
+                <a16:creationId xmlns:a16="http://schemas.microsoft.com/office/drawing/2014/main" id="{41340FC2-21C3-30BB-3E34-2F78EE8C1CB9}"/>
+              </a:ext>
+            </a:extLst>
+          </p:cNvPr>
+          <p:cNvGrpSpPr/>
+          <p:nvPr/>
+        </p:nvGrpSpPr>
+        <p:grpSpPr>
+          <a:xfrm>
+            <a:off x="3388894" y="574813"/>
+            <a:ext cx="2292609" cy="681487"/>
+            <a:chOff x="1120147" y="657482"/>
+            <a:chExt cx="2292609" cy="681487"/>
+          </a:xfrm>
+        </p:grpSpPr>
+        <p:sp>
+          <p:nvSpPr>
+            <p:cNvPr id="2" name="Rectangle 1">
+              <a:extLst>
+                <a:ext uri="{FF2B5EF4-FFF2-40B4-BE49-F238E27FC236}">
+                  <a16:creationId xmlns:a16="http://schemas.microsoft.com/office/drawing/2014/main" id="{E978445F-214B-DBB5-7411-52F9196BB379}"/>
+                </a:ext>
+              </a:extLst>
+            </p:cNvPr>
+            <p:cNvSpPr/>
+            <p:nvPr/>
+          </p:nvSpPr>
+          <p:spPr>
+            <a:xfrm>
+              <a:off x="1120147" y="657482"/>
+              <a:ext cx="2292609" cy="681487"/>
+            </a:xfrm>
+            <a:prstGeom prst="rect">
+              <a:avLst/>
+            </a:prstGeom>
+            <a:noFill/>
+          </p:spPr>
+          <p:style>
+            <a:lnRef idx="2">
+              <a:schemeClr val="accent1">
+                <a:shade val="50000"/>
+              </a:schemeClr>
+            </a:lnRef>
+            <a:fillRef idx="1">
+              <a:schemeClr val="accent1"/>
+            </a:fillRef>
+            <a:effectRef idx="0">
+              <a:schemeClr val="accent1"/>
+            </a:effectRef>
+            <a:fontRef idx="minor">
+              <a:schemeClr val="lt1"/>
+            </a:fontRef>
+          </p:style>
+          <p:txBody>
+            <a:bodyPr rtlCol="0" anchor="ctr"/>
+            <a:lstStyle/>
+            <a:p>
+              <a:pPr algn="ctr"/>
+              <a:endParaRPr lang="en-US"/>
+            </a:p>
+          </p:txBody>
+        </p:sp>
+        <p:sp>
+          <p:nvSpPr>
+            <p:cNvPr id="3" name="TextBox 2">
+              <a:extLst>
+                <a:ext uri="{FF2B5EF4-FFF2-40B4-BE49-F238E27FC236}">
+                  <a16:creationId xmlns:a16="http://schemas.microsoft.com/office/drawing/2014/main" id="{304390FB-8FF6-6937-D427-509C69EC0BD0}"/>
+                </a:ext>
+              </a:extLst>
+            </p:cNvPr>
+            <p:cNvSpPr txBox="1"/>
+            <p:nvPr/>
+          </p:nvSpPr>
+          <p:spPr>
+            <a:xfrm>
+              <a:off x="1267620" y="871268"/>
+              <a:ext cx="1997663" cy="253916"/>
+            </a:xfrm>
+            <a:prstGeom prst="rect">
+              <a:avLst/>
+            </a:prstGeom>
+            <a:noFill/>
+          </p:spPr>
+          <p:txBody>
+            <a:bodyPr wrap="none" rtlCol="0">
+              <a:spAutoFit/>
+            </a:bodyPr>
+            <a:lstStyle/>
+            <a:p>
+              <a:r>
+                <a:rPr lang="en-US" sz="1050" dirty="0"/>
+                <a:t>Send /topic/insession/{sessionId}</a:t>
+              </a:r>
+            </a:p>
+          </p:txBody>
+        </p:sp>
+      </p:grpSp>
+      <p:sp>
+        <p:nvSpPr>
+          <p:cNvPr id="5" name="Cylinder 4">
+            <a:extLst>
+              <a:ext uri="{FF2B5EF4-FFF2-40B4-BE49-F238E27FC236}">
+                <a16:creationId xmlns:a16="http://schemas.microsoft.com/office/drawing/2014/main" id="{7F67E45D-197D-0818-DC23-D6A283FE68E7}"/>
+              </a:ext>
+            </a:extLst>
+          </p:cNvPr>
+          <p:cNvSpPr/>
+          <p:nvPr/>
+        </p:nvSpPr>
+        <p:spPr>
+          <a:xfrm rot="5400000">
+            <a:off x="7118098" y="-31151"/>
+            <a:ext cx="415853" cy="1893413"/>
+          </a:xfrm>
+          <a:prstGeom prst="can">
+            <a:avLst/>
+          </a:prstGeom>
+          <a:noFill/>
+        </p:spPr>
+        <p:style>
+          <a:lnRef idx="2">
+            <a:schemeClr val="accent1">
+              <a:shade val="50000"/>
+            </a:schemeClr>
+          </a:lnRef>
+          <a:fillRef idx="1">
+            <a:schemeClr val="accent1"/>
+          </a:fillRef>
+          <a:effectRef idx="0">
+            <a:schemeClr val="accent1"/>
+          </a:effectRef>
+          <a:fontRef idx="minor">
+            <a:schemeClr val="lt1"/>
+          </a:fontRef>
+        </p:style>
+        <p:txBody>
+          <a:bodyPr rtlCol="0" anchor="ctr"/>
+          <a:lstStyle/>
+          <a:p>
+            <a:pPr algn="ctr"/>
+            <a:endParaRPr lang="en-US"/>
+          </a:p>
+        </p:txBody>
+      </p:sp>
+      <p:sp>
+        <p:nvSpPr>
+          <p:cNvPr id="6" name="TextBox 5">
+            <a:extLst>
+              <a:ext uri="{FF2B5EF4-FFF2-40B4-BE49-F238E27FC236}">
+                <a16:creationId xmlns:a16="http://schemas.microsoft.com/office/drawing/2014/main" id="{68EF4A68-C65E-F109-860E-BE597DA109E4}"/>
+              </a:ext>
+            </a:extLst>
+          </p:cNvPr>
+          <p:cNvSpPr txBox="1"/>
+          <p:nvPr/>
+        </p:nvSpPr>
+        <p:spPr>
+          <a:xfrm>
+            <a:off x="6779239" y="788599"/>
+            <a:ext cx="1093569" cy="253916"/>
+          </a:xfrm>
+          <a:prstGeom prst="rect">
+            <a:avLst/>
+          </a:prstGeom>
+          <a:noFill/>
+        </p:spPr>
+        <p:txBody>
+          <a:bodyPr wrap="none" rtlCol="0">
+            <a:spAutoFit/>
+          </a:bodyPr>
+          <a:lstStyle/>
+          <a:p>
+            <a:r>
+              <a:rPr lang="en-US" sz="1050" dirty="0"/>
+              <a:t>Request channel</a:t>
+            </a:r>
+          </a:p>
+        </p:txBody>
+      </p:sp>
+      <p:cxnSp>
+        <p:nvCxnSpPr>
+          <p:cNvPr id="8" name="Straight Arrow Connector 7">
+            <a:extLst>
+              <a:ext uri="{FF2B5EF4-FFF2-40B4-BE49-F238E27FC236}">
+                <a16:creationId xmlns:a16="http://schemas.microsoft.com/office/drawing/2014/main" id="{6CC08731-508D-38B6-EAA1-D57877393389}"/>
+              </a:ext>
+            </a:extLst>
+          </p:cNvPr>
+          <p:cNvCxnSpPr>
+            <a:stCxn id="2" idx="3"/>
+            <a:endCxn id="5" idx="3"/>
+          </p:cNvCxnSpPr>
+          <p:nvPr/>
+        </p:nvCxnSpPr>
+        <p:spPr>
+          <a:xfrm flipV="1">
+            <a:off x="5681503" y="915556"/>
+            <a:ext cx="697815" cy="1"/>
+          </a:xfrm>
+          <a:prstGeom prst="straightConnector1">
+            <a:avLst/>
+          </a:prstGeom>
+          <a:ln>
+            <a:tailEnd type="triangle"/>
+          </a:ln>
+        </p:spPr>
+        <p:style>
+          <a:lnRef idx="1">
+            <a:schemeClr val="accent1"/>
+          </a:lnRef>
+          <a:fillRef idx="0">
+            <a:schemeClr val="accent1"/>
+          </a:fillRef>
+          <a:effectRef idx="0">
+            <a:schemeClr val="accent1"/>
+          </a:effectRef>
+          <a:fontRef idx="minor">
+            <a:schemeClr val="tx1"/>
+          </a:fontRef>
+        </p:style>
+      </p:cxnSp>
+      <p:grpSp>
+        <p:nvGrpSpPr>
+          <p:cNvPr id="12" name="Group 11">
+            <a:extLst>
+              <a:ext uri="{FF2B5EF4-FFF2-40B4-BE49-F238E27FC236}">
+                <a16:creationId xmlns:a16="http://schemas.microsoft.com/office/drawing/2014/main" id="{495612A7-5EF8-D266-C6A3-723FDD539FC4}"/>
+              </a:ext>
+            </a:extLst>
+          </p:cNvPr>
+          <p:cNvGrpSpPr/>
+          <p:nvPr/>
+        </p:nvGrpSpPr>
+        <p:grpSpPr>
+          <a:xfrm>
+            <a:off x="9433135" y="1085927"/>
+            <a:ext cx="1134223" cy="681487"/>
+            <a:chOff x="6612298" y="1707030"/>
+            <a:chExt cx="1134223" cy="681487"/>
+          </a:xfrm>
+        </p:grpSpPr>
+        <p:sp>
+          <p:nvSpPr>
+            <p:cNvPr id="10" name="Rectangle 9">
+              <a:extLst>
+                <a:ext uri="{FF2B5EF4-FFF2-40B4-BE49-F238E27FC236}">
+                  <a16:creationId xmlns:a16="http://schemas.microsoft.com/office/drawing/2014/main" id="{C5FDD11E-5AC6-C4D7-545A-4486BD92F9F3}"/>
+                </a:ext>
+              </a:extLst>
+            </p:cNvPr>
+            <p:cNvSpPr/>
+            <p:nvPr/>
+          </p:nvSpPr>
+          <p:spPr>
+            <a:xfrm>
+              <a:off x="6612298" y="1707030"/>
+              <a:ext cx="1134223" cy="681487"/>
+            </a:xfrm>
+            <a:prstGeom prst="rect">
+              <a:avLst/>
+            </a:prstGeom>
+            <a:noFill/>
+          </p:spPr>
+          <p:style>
+            <a:lnRef idx="2">
+              <a:schemeClr val="accent1">
+                <a:shade val="50000"/>
+              </a:schemeClr>
+            </a:lnRef>
+            <a:fillRef idx="1">
+              <a:schemeClr val="accent1"/>
+            </a:fillRef>
+            <a:effectRef idx="0">
+              <a:schemeClr val="accent1"/>
+            </a:effectRef>
+            <a:fontRef idx="minor">
+              <a:schemeClr val="lt1"/>
+            </a:fontRef>
+          </p:style>
+          <p:txBody>
+            <a:bodyPr rtlCol="0" anchor="ctr"/>
+            <a:lstStyle/>
+            <a:p>
+              <a:pPr algn="ctr"/>
+              <a:endParaRPr lang="en-US"/>
+            </a:p>
+          </p:txBody>
+        </p:sp>
+        <p:sp>
+          <p:nvSpPr>
+            <p:cNvPr id="11" name="TextBox 10">
+              <a:extLst>
+                <a:ext uri="{FF2B5EF4-FFF2-40B4-BE49-F238E27FC236}">
+                  <a16:creationId xmlns:a16="http://schemas.microsoft.com/office/drawing/2014/main" id="{14FC8270-7935-47B0-2916-B7D95E06E19D}"/>
+                </a:ext>
+              </a:extLst>
+            </p:cNvPr>
+            <p:cNvSpPr txBox="1"/>
+            <p:nvPr/>
+          </p:nvSpPr>
+          <p:spPr>
+            <a:xfrm>
+              <a:off x="6705087" y="1920815"/>
+              <a:ext cx="948643" cy="253916"/>
+            </a:xfrm>
+            <a:prstGeom prst="rect">
+              <a:avLst/>
+            </a:prstGeom>
+            <a:noFill/>
+          </p:spPr>
+          <p:txBody>
+            <a:bodyPr wrap="none" rtlCol="0">
+              <a:spAutoFit/>
+            </a:bodyPr>
+            <a:lstStyle/>
+            <a:p>
+              <a:r>
+                <a:rPr lang="en-US" sz="1050" dirty="0"/>
+                <a:t>Simple broker</a:t>
+              </a:r>
+            </a:p>
+          </p:txBody>
+        </p:sp>
+      </p:grpSp>
+      <p:grpSp>
+        <p:nvGrpSpPr>
+          <p:cNvPr id="13" name="Group 12">
+            <a:extLst>
+              <a:ext uri="{FF2B5EF4-FFF2-40B4-BE49-F238E27FC236}">
+                <a16:creationId xmlns:a16="http://schemas.microsoft.com/office/drawing/2014/main" id="{9A5DF3F4-AC54-DA00-22FC-ACB8A9111DAA}"/>
+              </a:ext>
+            </a:extLst>
+          </p:cNvPr>
+          <p:cNvGrpSpPr/>
+          <p:nvPr/>
+        </p:nvGrpSpPr>
+        <p:grpSpPr>
+          <a:xfrm>
+            <a:off x="3388894" y="1763101"/>
+            <a:ext cx="2292609" cy="681487"/>
+            <a:chOff x="1120147" y="657482"/>
+            <a:chExt cx="2292609" cy="681487"/>
+          </a:xfrm>
+        </p:grpSpPr>
+        <p:sp>
+          <p:nvSpPr>
+            <p:cNvPr id="14" name="Rectangle 13">
+              <a:extLst>
+                <a:ext uri="{FF2B5EF4-FFF2-40B4-BE49-F238E27FC236}">
+                  <a16:creationId xmlns:a16="http://schemas.microsoft.com/office/drawing/2014/main" id="{3F9A14CA-6843-2559-B765-B65A3948402A}"/>
+                </a:ext>
+              </a:extLst>
+            </p:cNvPr>
+            <p:cNvSpPr/>
+            <p:nvPr/>
+          </p:nvSpPr>
+          <p:spPr>
+            <a:xfrm>
+              <a:off x="1120147" y="657482"/>
+              <a:ext cx="2292609" cy="681487"/>
+            </a:xfrm>
+            <a:prstGeom prst="rect">
+              <a:avLst/>
+            </a:prstGeom>
+            <a:noFill/>
+          </p:spPr>
+          <p:style>
+            <a:lnRef idx="2">
+              <a:schemeClr val="accent1">
+                <a:shade val="50000"/>
+              </a:schemeClr>
+            </a:lnRef>
+            <a:fillRef idx="1">
+              <a:schemeClr val="accent1"/>
+            </a:fillRef>
+            <a:effectRef idx="0">
+              <a:schemeClr val="accent1"/>
+            </a:effectRef>
+            <a:fontRef idx="minor">
+              <a:schemeClr val="lt1"/>
+            </a:fontRef>
+          </p:style>
+          <p:txBody>
+            <a:bodyPr rtlCol="0" anchor="ctr"/>
+            <a:lstStyle/>
+            <a:p>
+              <a:pPr algn="ctr"/>
+              <a:endParaRPr lang="en-US"/>
+            </a:p>
+          </p:txBody>
+        </p:sp>
+        <p:sp>
+          <p:nvSpPr>
+            <p:cNvPr id="15" name="TextBox 14">
+              <a:extLst>
+                <a:ext uri="{FF2B5EF4-FFF2-40B4-BE49-F238E27FC236}">
+                  <a16:creationId xmlns:a16="http://schemas.microsoft.com/office/drawing/2014/main" id="{BF027E2E-A4A8-8FA0-F056-E4FC0EDDD910}"/>
+                </a:ext>
+              </a:extLst>
+            </p:cNvPr>
+            <p:cNvSpPr txBox="1"/>
+            <p:nvPr/>
+          </p:nvSpPr>
+          <p:spPr>
+            <a:xfrm>
+              <a:off x="1161021" y="871268"/>
+              <a:ext cx="2210862" cy="253916"/>
+            </a:xfrm>
+            <a:prstGeom prst="rect">
+              <a:avLst/>
+            </a:prstGeom>
+            <a:noFill/>
+          </p:spPr>
+          <p:txBody>
+            <a:bodyPr wrap="none" rtlCol="0">
+              <a:spAutoFit/>
+            </a:bodyPr>
+            <a:lstStyle/>
+            <a:p>
+              <a:r>
+                <a:rPr lang="en-US" sz="1050" dirty="0"/>
+                <a:t>Message /topic/insession/{sessionId}</a:t>
+              </a:r>
+            </a:p>
+          </p:txBody>
+        </p:sp>
+      </p:grpSp>
+      <p:sp>
+        <p:nvSpPr>
+          <p:cNvPr id="16" name="Cylinder 15">
+            <a:extLst>
+              <a:ext uri="{FF2B5EF4-FFF2-40B4-BE49-F238E27FC236}">
+                <a16:creationId xmlns:a16="http://schemas.microsoft.com/office/drawing/2014/main" id="{ABFB0088-C868-AE47-605C-B7AA089F7447}"/>
+              </a:ext>
+            </a:extLst>
+          </p:cNvPr>
+          <p:cNvSpPr/>
+          <p:nvPr/>
+        </p:nvSpPr>
+        <p:spPr>
+          <a:xfrm rot="5400000">
+            <a:off x="7118098" y="1157137"/>
+            <a:ext cx="415853" cy="1893413"/>
+          </a:xfrm>
+          <a:prstGeom prst="can">
+            <a:avLst/>
+          </a:prstGeom>
+          <a:noFill/>
+        </p:spPr>
+        <p:style>
+          <a:lnRef idx="2">
+            <a:schemeClr val="accent1">
+              <a:shade val="50000"/>
+            </a:schemeClr>
+          </a:lnRef>
+          <a:fillRef idx="1">
+            <a:schemeClr val="accent1"/>
+          </a:fillRef>
+          <a:effectRef idx="0">
+            <a:schemeClr val="accent1"/>
+          </a:effectRef>
+          <a:fontRef idx="minor">
+            <a:schemeClr val="lt1"/>
+          </a:fontRef>
+        </p:style>
+        <p:txBody>
+          <a:bodyPr rtlCol="0" anchor="ctr"/>
+          <a:lstStyle/>
+          <a:p>
+            <a:pPr algn="ctr"/>
+            <a:endParaRPr lang="en-US"/>
+          </a:p>
+        </p:txBody>
+      </p:sp>
+      <p:sp>
+        <p:nvSpPr>
+          <p:cNvPr id="17" name="TextBox 16">
+            <a:extLst>
+              <a:ext uri="{FF2B5EF4-FFF2-40B4-BE49-F238E27FC236}">
+                <a16:creationId xmlns:a16="http://schemas.microsoft.com/office/drawing/2014/main" id="{87A8CA9B-6EF7-AB01-5B38-46A3714B7AFA}"/>
+              </a:ext>
+            </a:extLst>
+          </p:cNvPr>
+          <p:cNvSpPr txBox="1"/>
+          <p:nvPr/>
+        </p:nvSpPr>
+        <p:spPr>
+          <a:xfrm>
+            <a:off x="6779239" y="1976887"/>
+            <a:ext cx="1172116" cy="253916"/>
+          </a:xfrm>
+          <a:prstGeom prst="rect">
+            <a:avLst/>
+          </a:prstGeom>
+          <a:noFill/>
+        </p:spPr>
+        <p:txBody>
+          <a:bodyPr wrap="none" rtlCol="0">
+            <a:spAutoFit/>
+          </a:bodyPr>
+          <a:lstStyle/>
+          <a:p>
+            <a:r>
+              <a:rPr lang="en-US" sz="1050" dirty="0"/>
+              <a:t>Response channel</a:t>
+            </a:r>
+          </a:p>
+        </p:txBody>
+      </p:sp>
+      <p:cxnSp>
+        <p:nvCxnSpPr>
+          <p:cNvPr id="18" name="Straight Arrow Connector 17">
+            <a:extLst>
+              <a:ext uri="{FF2B5EF4-FFF2-40B4-BE49-F238E27FC236}">
+                <a16:creationId xmlns:a16="http://schemas.microsoft.com/office/drawing/2014/main" id="{D8154CE3-AB87-C67C-F098-7D40F597C91B}"/>
+              </a:ext>
+            </a:extLst>
+          </p:cNvPr>
+          <p:cNvCxnSpPr>
+            <a:cxnSpLocks/>
+            <a:stCxn id="16" idx="3"/>
+            <a:endCxn id="14" idx="3"/>
+          </p:cNvCxnSpPr>
+          <p:nvPr/>
+        </p:nvCxnSpPr>
+        <p:spPr>
+          <a:xfrm flipH="1">
+            <a:off x="5681503" y="2103844"/>
+            <a:ext cx="697815" cy="1"/>
+          </a:xfrm>
+          <a:prstGeom prst="straightConnector1">
+            <a:avLst/>
+          </a:prstGeom>
+          <a:ln>
+            <a:tailEnd type="triangle"/>
+          </a:ln>
+        </p:spPr>
+        <p:style>
+          <a:lnRef idx="1">
+            <a:schemeClr val="accent1"/>
+          </a:lnRef>
+          <a:fillRef idx="0">
+            <a:schemeClr val="accent1"/>
+          </a:fillRef>
+          <a:effectRef idx="0">
+            <a:schemeClr val="accent1"/>
+          </a:effectRef>
+          <a:fontRef idx="minor">
+            <a:schemeClr val="tx1"/>
+          </a:fontRef>
+        </p:style>
+      </p:cxnSp>
+      <p:cxnSp>
+        <p:nvCxnSpPr>
+          <p:cNvPr id="23" name="Straight Arrow Connector 22">
+            <a:extLst>
+              <a:ext uri="{FF2B5EF4-FFF2-40B4-BE49-F238E27FC236}">
+                <a16:creationId xmlns:a16="http://schemas.microsoft.com/office/drawing/2014/main" id="{DD3CB479-3A19-F9F3-7D7E-91A397F04822}"/>
+              </a:ext>
+            </a:extLst>
+          </p:cNvPr>
+          <p:cNvCxnSpPr>
+            <a:stCxn id="5" idx="1"/>
+            <a:endCxn id="10" idx="1"/>
+          </p:cNvCxnSpPr>
+          <p:nvPr/>
+        </p:nvCxnSpPr>
+        <p:spPr>
+          <a:xfrm>
+            <a:off x="8272731" y="915556"/>
+            <a:ext cx="1160404" cy="511115"/>
+          </a:xfrm>
+          <a:prstGeom prst="straightConnector1">
+            <a:avLst/>
+          </a:prstGeom>
+          <a:ln>
+            <a:tailEnd type="triangle"/>
+          </a:ln>
+        </p:spPr>
+        <p:style>
+          <a:lnRef idx="1">
+            <a:schemeClr val="accent1"/>
+          </a:lnRef>
+          <a:fillRef idx="0">
+            <a:schemeClr val="accent1"/>
+          </a:fillRef>
+          <a:effectRef idx="0">
+            <a:schemeClr val="accent1"/>
+          </a:effectRef>
+          <a:fontRef idx="minor">
+            <a:schemeClr val="tx1"/>
+          </a:fontRef>
+        </p:style>
+      </p:cxnSp>
+      <p:cxnSp>
+        <p:nvCxnSpPr>
+          <p:cNvPr id="25" name="Straight Arrow Connector 24">
+            <a:extLst>
+              <a:ext uri="{FF2B5EF4-FFF2-40B4-BE49-F238E27FC236}">
+                <a16:creationId xmlns:a16="http://schemas.microsoft.com/office/drawing/2014/main" id="{3C1C552D-4CCB-BD70-DE9D-8497ECC55582}"/>
+              </a:ext>
+            </a:extLst>
+          </p:cNvPr>
+          <p:cNvCxnSpPr>
+            <a:stCxn id="10" idx="1"/>
+            <a:endCxn id="16" idx="1"/>
+          </p:cNvCxnSpPr>
+          <p:nvPr/>
+        </p:nvCxnSpPr>
+        <p:spPr>
+          <a:xfrm flipH="1">
+            <a:off x="8272731" y="1426671"/>
+            <a:ext cx="1160404" cy="677173"/>
+          </a:xfrm>
+          <a:prstGeom prst="straightConnector1">
+            <a:avLst/>
+          </a:prstGeom>
+          <a:ln>
+            <a:tailEnd type="triangle"/>
+          </a:ln>
+        </p:spPr>
+        <p:style>
+          <a:lnRef idx="1">
+            <a:schemeClr val="accent1"/>
+          </a:lnRef>
+          <a:fillRef idx="0">
+            <a:schemeClr val="accent1"/>
+          </a:fillRef>
+          <a:effectRef idx="0">
+            <a:schemeClr val="accent1"/>
+          </a:effectRef>
+          <a:fontRef idx="minor">
+            <a:schemeClr val="tx1"/>
+          </a:fontRef>
+        </p:style>
+      </p:cxnSp>
+      <p:grpSp>
+        <p:nvGrpSpPr>
+          <p:cNvPr id="28" name="Group 27">
+            <a:extLst>
+              <a:ext uri="{FF2B5EF4-FFF2-40B4-BE49-F238E27FC236}">
+                <a16:creationId xmlns:a16="http://schemas.microsoft.com/office/drawing/2014/main" id="{9A16E5B8-B7D9-6CF8-337E-F041533FB071}"/>
+              </a:ext>
+            </a:extLst>
+          </p:cNvPr>
+          <p:cNvGrpSpPr/>
+          <p:nvPr/>
+        </p:nvGrpSpPr>
+        <p:grpSpPr>
+          <a:xfrm>
+            <a:off x="3388894" y="3408570"/>
+            <a:ext cx="2292609" cy="681487"/>
+            <a:chOff x="1120147" y="657482"/>
+            <a:chExt cx="2292609" cy="681487"/>
+          </a:xfrm>
+        </p:grpSpPr>
+        <p:sp>
+          <p:nvSpPr>
+            <p:cNvPr id="29" name="Rectangle 28">
+              <a:extLst>
+                <a:ext uri="{FF2B5EF4-FFF2-40B4-BE49-F238E27FC236}">
+                  <a16:creationId xmlns:a16="http://schemas.microsoft.com/office/drawing/2014/main" id="{2F35446E-8865-9BBB-7C84-D25C72DD2352}"/>
+                </a:ext>
+              </a:extLst>
+            </p:cNvPr>
+            <p:cNvSpPr/>
+            <p:nvPr/>
+          </p:nvSpPr>
+          <p:spPr>
+            <a:xfrm>
+              <a:off x="1120147" y="657482"/>
+              <a:ext cx="2292609" cy="681487"/>
+            </a:xfrm>
+            <a:prstGeom prst="rect">
+              <a:avLst/>
+            </a:prstGeom>
+            <a:noFill/>
+          </p:spPr>
+          <p:style>
+            <a:lnRef idx="2">
+              <a:schemeClr val="accent1">
+                <a:shade val="50000"/>
+              </a:schemeClr>
+            </a:lnRef>
+            <a:fillRef idx="1">
+              <a:schemeClr val="accent1"/>
+            </a:fillRef>
+            <a:effectRef idx="0">
+              <a:schemeClr val="accent1"/>
+            </a:effectRef>
+            <a:fontRef idx="minor">
+              <a:schemeClr val="lt1"/>
+            </a:fontRef>
+          </p:style>
+          <p:txBody>
+            <a:bodyPr rtlCol="0" anchor="ctr"/>
+            <a:lstStyle/>
+            <a:p>
+              <a:pPr algn="ctr"/>
+              <a:endParaRPr lang="en-US"/>
+            </a:p>
+          </p:txBody>
+        </p:sp>
+        <p:sp>
+          <p:nvSpPr>
+            <p:cNvPr id="30" name="TextBox 29">
+              <a:extLst>
+                <a:ext uri="{FF2B5EF4-FFF2-40B4-BE49-F238E27FC236}">
+                  <a16:creationId xmlns:a16="http://schemas.microsoft.com/office/drawing/2014/main" id="{ED078E6D-35E8-4354-FBA4-03BB23CE1B0A}"/>
+                </a:ext>
+              </a:extLst>
+            </p:cNvPr>
+            <p:cNvSpPr txBox="1"/>
+            <p:nvPr/>
+          </p:nvSpPr>
+          <p:spPr>
+            <a:xfrm>
+              <a:off x="1267620" y="871268"/>
+              <a:ext cx="2069797" cy="253916"/>
+            </a:xfrm>
+            <a:prstGeom prst="rect">
+              <a:avLst/>
+            </a:prstGeom>
+            <a:noFill/>
+          </p:spPr>
+          <p:txBody>
+            <a:bodyPr wrap="none" rtlCol="0">
+              <a:spAutoFit/>
+            </a:bodyPr>
+            <a:lstStyle/>
+            <a:p>
+              <a:r>
+                <a:rPr lang="en-US" sz="1050" dirty="0"/>
+                <a:t>Send /queue/insession/{sessionId}</a:t>
+              </a:r>
+            </a:p>
+          </p:txBody>
+        </p:sp>
+      </p:grpSp>
+      <p:sp>
+        <p:nvSpPr>
+          <p:cNvPr id="31" name="Cylinder 30">
+            <a:extLst>
+              <a:ext uri="{FF2B5EF4-FFF2-40B4-BE49-F238E27FC236}">
+                <a16:creationId xmlns:a16="http://schemas.microsoft.com/office/drawing/2014/main" id="{E5DCEEA4-7CC6-6BFC-78C2-7E69FA1AF6DF}"/>
+              </a:ext>
+            </a:extLst>
+          </p:cNvPr>
+          <p:cNvSpPr/>
+          <p:nvPr/>
+        </p:nvSpPr>
+        <p:spPr>
+          <a:xfrm rot="5400000">
+            <a:off x="7118098" y="2802606"/>
+            <a:ext cx="415853" cy="1893413"/>
+          </a:xfrm>
+          <a:prstGeom prst="can">
+            <a:avLst/>
+          </a:prstGeom>
+          <a:noFill/>
+        </p:spPr>
+        <p:style>
+          <a:lnRef idx="2">
+            <a:schemeClr val="accent1">
+              <a:shade val="50000"/>
+            </a:schemeClr>
+          </a:lnRef>
+          <a:fillRef idx="1">
+            <a:schemeClr val="accent1"/>
+          </a:fillRef>
+          <a:effectRef idx="0">
+            <a:schemeClr val="accent1"/>
+          </a:effectRef>
+          <a:fontRef idx="minor">
+            <a:schemeClr val="lt1"/>
+          </a:fontRef>
+        </p:style>
+        <p:txBody>
+          <a:bodyPr rtlCol="0" anchor="ctr"/>
+          <a:lstStyle/>
+          <a:p>
+            <a:pPr algn="ctr"/>
+            <a:endParaRPr lang="en-US"/>
+          </a:p>
+        </p:txBody>
+      </p:sp>
+      <p:sp>
+        <p:nvSpPr>
+          <p:cNvPr id="32" name="TextBox 31">
+            <a:extLst>
+              <a:ext uri="{FF2B5EF4-FFF2-40B4-BE49-F238E27FC236}">
+                <a16:creationId xmlns:a16="http://schemas.microsoft.com/office/drawing/2014/main" id="{19501AF2-634A-C477-C81D-6237427C9E0A}"/>
+              </a:ext>
+            </a:extLst>
+          </p:cNvPr>
+          <p:cNvSpPr txBox="1"/>
+          <p:nvPr/>
+        </p:nvSpPr>
+        <p:spPr>
+          <a:xfrm>
+            <a:off x="6779239" y="3622356"/>
+            <a:ext cx="1093569" cy="253916"/>
+          </a:xfrm>
+          <a:prstGeom prst="rect">
+            <a:avLst/>
+          </a:prstGeom>
+          <a:noFill/>
+        </p:spPr>
+        <p:txBody>
+          <a:bodyPr wrap="none" rtlCol="0">
+            <a:spAutoFit/>
+          </a:bodyPr>
+          <a:lstStyle/>
+          <a:p>
+            <a:r>
+              <a:rPr lang="en-US" sz="1050" dirty="0"/>
+              <a:t>Request channel</a:t>
+            </a:r>
+          </a:p>
+        </p:txBody>
+      </p:sp>
+      <p:cxnSp>
+        <p:nvCxnSpPr>
+          <p:cNvPr id="33" name="Straight Arrow Connector 32">
+            <a:extLst>
+              <a:ext uri="{FF2B5EF4-FFF2-40B4-BE49-F238E27FC236}">
+                <a16:creationId xmlns:a16="http://schemas.microsoft.com/office/drawing/2014/main" id="{3511C6A8-EB8A-6BD1-DAFF-872F0B7BC42E}"/>
+              </a:ext>
+            </a:extLst>
+          </p:cNvPr>
+          <p:cNvCxnSpPr>
+            <a:stCxn id="29" idx="3"/>
+            <a:endCxn id="31" idx="3"/>
+          </p:cNvCxnSpPr>
+          <p:nvPr/>
+        </p:nvCxnSpPr>
+        <p:spPr>
+          <a:xfrm flipV="1">
+            <a:off x="5681503" y="3749313"/>
+            <a:ext cx="697815" cy="1"/>
+          </a:xfrm>
+          <a:prstGeom prst="straightConnector1">
+            <a:avLst/>
+          </a:prstGeom>
+          <a:ln>
+            <a:tailEnd type="triangle"/>
+          </a:ln>
+        </p:spPr>
+        <p:style>
+          <a:lnRef idx="1">
+            <a:schemeClr val="accent1"/>
+          </a:lnRef>
+          <a:fillRef idx="0">
+            <a:schemeClr val="accent1"/>
+          </a:fillRef>
+          <a:effectRef idx="0">
+            <a:schemeClr val="accent1"/>
+          </a:effectRef>
+          <a:fontRef idx="minor">
+            <a:schemeClr val="tx1"/>
+          </a:fontRef>
+        </p:style>
+      </p:cxnSp>
+      <p:grpSp>
+        <p:nvGrpSpPr>
+          <p:cNvPr id="34" name="Group 33">
+            <a:extLst>
+              <a:ext uri="{FF2B5EF4-FFF2-40B4-BE49-F238E27FC236}">
+                <a16:creationId xmlns:a16="http://schemas.microsoft.com/office/drawing/2014/main" id="{0349896A-B235-A3C4-B071-867A2DDE4ECF}"/>
+              </a:ext>
+            </a:extLst>
+          </p:cNvPr>
+          <p:cNvGrpSpPr/>
+          <p:nvPr/>
+        </p:nvGrpSpPr>
+        <p:grpSpPr>
+          <a:xfrm>
+            <a:off x="9433135" y="3919684"/>
+            <a:ext cx="1134223" cy="681487"/>
+            <a:chOff x="6612298" y="1707030"/>
+            <a:chExt cx="1134223" cy="681487"/>
+          </a:xfrm>
+        </p:grpSpPr>
+        <p:sp>
+          <p:nvSpPr>
+            <p:cNvPr id="35" name="Rectangle 34">
+              <a:extLst>
+                <a:ext uri="{FF2B5EF4-FFF2-40B4-BE49-F238E27FC236}">
+                  <a16:creationId xmlns:a16="http://schemas.microsoft.com/office/drawing/2014/main" id="{A56E9296-27B5-77CC-F6F2-4D1D0F114B40}"/>
+                </a:ext>
+              </a:extLst>
+            </p:cNvPr>
+            <p:cNvSpPr/>
+            <p:nvPr/>
+          </p:nvSpPr>
+          <p:spPr>
+            <a:xfrm>
+              <a:off x="6612298" y="1707030"/>
+              <a:ext cx="1134223" cy="681487"/>
+            </a:xfrm>
+            <a:prstGeom prst="rect">
+              <a:avLst/>
+            </a:prstGeom>
+            <a:noFill/>
+          </p:spPr>
+          <p:style>
+            <a:lnRef idx="2">
+              <a:schemeClr val="accent1">
+                <a:shade val="50000"/>
+              </a:schemeClr>
+            </a:lnRef>
+            <a:fillRef idx="1">
+              <a:schemeClr val="accent1"/>
+            </a:fillRef>
+            <a:effectRef idx="0">
+              <a:schemeClr val="accent1"/>
+            </a:effectRef>
+            <a:fontRef idx="minor">
+              <a:schemeClr val="lt1"/>
+            </a:fontRef>
+          </p:style>
+          <p:txBody>
+            <a:bodyPr rtlCol="0" anchor="ctr"/>
+            <a:lstStyle/>
+            <a:p>
+              <a:pPr algn="ctr"/>
+              <a:endParaRPr lang="en-US"/>
+            </a:p>
+          </p:txBody>
+        </p:sp>
+        <p:sp>
+          <p:nvSpPr>
+            <p:cNvPr id="36" name="TextBox 35">
+              <a:extLst>
+                <a:ext uri="{FF2B5EF4-FFF2-40B4-BE49-F238E27FC236}">
+                  <a16:creationId xmlns:a16="http://schemas.microsoft.com/office/drawing/2014/main" id="{E650CA9D-4F78-732C-6181-7732074CC1D6}"/>
+                </a:ext>
+              </a:extLst>
+            </p:cNvPr>
+            <p:cNvSpPr txBox="1"/>
+            <p:nvPr/>
+          </p:nvSpPr>
+          <p:spPr>
+            <a:xfrm>
+              <a:off x="6705087" y="1920815"/>
+              <a:ext cx="948643" cy="253916"/>
+            </a:xfrm>
+            <a:prstGeom prst="rect">
+              <a:avLst/>
+            </a:prstGeom>
+            <a:noFill/>
+          </p:spPr>
+          <p:txBody>
+            <a:bodyPr wrap="none" rtlCol="0">
+              <a:spAutoFit/>
+            </a:bodyPr>
+            <a:lstStyle/>
+            <a:p>
+              <a:r>
+                <a:rPr lang="en-US" sz="1050" dirty="0"/>
+                <a:t>Simple broker</a:t>
+              </a:r>
+            </a:p>
+          </p:txBody>
+        </p:sp>
+      </p:grpSp>
+      <p:grpSp>
+        <p:nvGrpSpPr>
+          <p:cNvPr id="37" name="Group 36">
+            <a:extLst>
+              <a:ext uri="{FF2B5EF4-FFF2-40B4-BE49-F238E27FC236}">
+                <a16:creationId xmlns:a16="http://schemas.microsoft.com/office/drawing/2014/main" id="{115AA222-696F-B6DB-CAC1-BEA2CB9CDF39}"/>
+              </a:ext>
+            </a:extLst>
+          </p:cNvPr>
+          <p:cNvGrpSpPr/>
+          <p:nvPr/>
+        </p:nvGrpSpPr>
+        <p:grpSpPr>
+          <a:xfrm>
+            <a:off x="3388894" y="4596858"/>
+            <a:ext cx="2323871" cy="681487"/>
+            <a:chOff x="1120147" y="657482"/>
+            <a:chExt cx="2323871" cy="681487"/>
+          </a:xfrm>
+        </p:grpSpPr>
+        <p:sp>
+          <p:nvSpPr>
+            <p:cNvPr id="38" name="Rectangle 37">
+              <a:extLst>
+                <a:ext uri="{FF2B5EF4-FFF2-40B4-BE49-F238E27FC236}">
+                  <a16:creationId xmlns:a16="http://schemas.microsoft.com/office/drawing/2014/main" id="{4E9F04DD-C5C1-42EA-D214-22DCF8911084}"/>
+                </a:ext>
+              </a:extLst>
+            </p:cNvPr>
+            <p:cNvSpPr/>
+            <p:nvPr/>
+          </p:nvSpPr>
+          <p:spPr>
+            <a:xfrm>
+              <a:off x="1120147" y="657482"/>
+              <a:ext cx="2292609" cy="681487"/>
+            </a:xfrm>
+            <a:prstGeom prst="rect">
+              <a:avLst/>
+            </a:prstGeom>
+            <a:noFill/>
+          </p:spPr>
+          <p:style>
+            <a:lnRef idx="2">
+              <a:schemeClr val="accent1">
+                <a:shade val="50000"/>
+              </a:schemeClr>
+            </a:lnRef>
+            <a:fillRef idx="1">
+              <a:schemeClr val="accent1"/>
+            </a:fillRef>
+            <a:effectRef idx="0">
+              <a:schemeClr val="accent1"/>
+            </a:effectRef>
+            <a:fontRef idx="minor">
+              <a:schemeClr val="lt1"/>
+            </a:fontRef>
+          </p:style>
+          <p:txBody>
+            <a:bodyPr rtlCol="0" anchor="ctr"/>
+            <a:lstStyle/>
+            <a:p>
+              <a:pPr algn="ctr"/>
+              <a:endParaRPr lang="en-US"/>
+            </a:p>
+          </p:txBody>
+        </p:sp>
+        <p:sp>
+          <p:nvSpPr>
+            <p:cNvPr id="39" name="TextBox 38">
+              <a:extLst>
+                <a:ext uri="{FF2B5EF4-FFF2-40B4-BE49-F238E27FC236}">
+                  <a16:creationId xmlns:a16="http://schemas.microsoft.com/office/drawing/2014/main" id="{3550C808-C289-F772-E546-8D1490D45041}"/>
+                </a:ext>
+              </a:extLst>
+            </p:cNvPr>
+            <p:cNvSpPr txBox="1"/>
+            <p:nvPr/>
+          </p:nvSpPr>
+          <p:spPr>
+            <a:xfrm>
+              <a:off x="1161021" y="871268"/>
+              <a:ext cx="2282997" cy="253916"/>
+            </a:xfrm>
+            <a:prstGeom prst="rect">
+              <a:avLst/>
+            </a:prstGeom>
+            <a:noFill/>
+          </p:spPr>
+          <p:txBody>
+            <a:bodyPr wrap="none" rtlCol="0">
+              <a:spAutoFit/>
+            </a:bodyPr>
+            <a:lstStyle/>
+            <a:p>
+              <a:r>
+                <a:rPr lang="en-US" sz="1050" dirty="0"/>
+                <a:t>Message /queue/insession/{sessionId}</a:t>
+              </a:r>
+            </a:p>
+          </p:txBody>
+        </p:sp>
+      </p:grpSp>
+      <p:sp>
+        <p:nvSpPr>
+          <p:cNvPr id="40" name="Cylinder 39">
+            <a:extLst>
+              <a:ext uri="{FF2B5EF4-FFF2-40B4-BE49-F238E27FC236}">
+                <a16:creationId xmlns:a16="http://schemas.microsoft.com/office/drawing/2014/main" id="{BEEB4F7D-FB7A-D886-FCA5-C4637C520ADD}"/>
+              </a:ext>
+            </a:extLst>
+          </p:cNvPr>
+          <p:cNvSpPr/>
+          <p:nvPr/>
+        </p:nvSpPr>
+        <p:spPr>
+          <a:xfrm rot="5400000">
+            <a:off x="7118098" y="3990894"/>
+            <a:ext cx="415853" cy="1893413"/>
+          </a:xfrm>
+          <a:prstGeom prst="can">
+            <a:avLst/>
+          </a:prstGeom>
+          <a:noFill/>
+        </p:spPr>
+        <p:style>
+          <a:lnRef idx="2">
+            <a:schemeClr val="accent1">
+              <a:shade val="50000"/>
+            </a:schemeClr>
+          </a:lnRef>
+          <a:fillRef idx="1">
+            <a:schemeClr val="accent1"/>
+          </a:fillRef>
+          <a:effectRef idx="0">
+            <a:schemeClr val="accent1"/>
+          </a:effectRef>
+          <a:fontRef idx="minor">
+            <a:schemeClr val="lt1"/>
+          </a:fontRef>
+        </p:style>
+        <p:txBody>
+          <a:bodyPr rtlCol="0" anchor="ctr"/>
+          <a:lstStyle/>
+          <a:p>
+            <a:pPr algn="ctr"/>
+            <a:endParaRPr lang="en-US"/>
+          </a:p>
+        </p:txBody>
+      </p:sp>
+      <p:sp>
+        <p:nvSpPr>
+          <p:cNvPr id="41" name="TextBox 40">
+            <a:extLst>
+              <a:ext uri="{FF2B5EF4-FFF2-40B4-BE49-F238E27FC236}">
+                <a16:creationId xmlns:a16="http://schemas.microsoft.com/office/drawing/2014/main" id="{2E58A565-5A71-21FF-AD8F-EA7460C25EF7}"/>
+              </a:ext>
+            </a:extLst>
+          </p:cNvPr>
+          <p:cNvSpPr txBox="1"/>
+          <p:nvPr/>
+        </p:nvSpPr>
+        <p:spPr>
+          <a:xfrm>
+            <a:off x="6779239" y="4810644"/>
+            <a:ext cx="1172116" cy="253916"/>
+          </a:xfrm>
+          <a:prstGeom prst="rect">
+            <a:avLst/>
+          </a:prstGeom>
+          <a:noFill/>
+        </p:spPr>
+        <p:txBody>
+          <a:bodyPr wrap="none" rtlCol="0">
+            <a:spAutoFit/>
+          </a:bodyPr>
+          <a:lstStyle/>
+          <a:p>
+            <a:r>
+              <a:rPr lang="en-US" sz="1050" dirty="0"/>
+              <a:t>Response channel</a:t>
+            </a:r>
+          </a:p>
+        </p:txBody>
+      </p:sp>
+      <p:cxnSp>
+        <p:nvCxnSpPr>
+          <p:cNvPr id="42" name="Straight Arrow Connector 41">
+            <a:extLst>
+              <a:ext uri="{FF2B5EF4-FFF2-40B4-BE49-F238E27FC236}">
+                <a16:creationId xmlns:a16="http://schemas.microsoft.com/office/drawing/2014/main" id="{B4CE9E85-3652-5EC0-2067-484B99993601}"/>
+              </a:ext>
+            </a:extLst>
+          </p:cNvPr>
+          <p:cNvCxnSpPr>
+            <a:cxnSpLocks/>
+            <a:stCxn id="40" idx="3"/>
+            <a:endCxn id="38" idx="3"/>
+          </p:cNvCxnSpPr>
+          <p:nvPr/>
+        </p:nvCxnSpPr>
+        <p:spPr>
+          <a:xfrm flipH="1">
+            <a:off x="5681503" y="4937601"/>
+            <a:ext cx="697815" cy="1"/>
+          </a:xfrm>
+          <a:prstGeom prst="straightConnector1">
+            <a:avLst/>
+          </a:prstGeom>
+          <a:ln>
+            <a:tailEnd type="triangle"/>
+          </a:ln>
+        </p:spPr>
+        <p:style>
+          <a:lnRef idx="1">
+            <a:schemeClr val="accent1"/>
+          </a:lnRef>
+          <a:fillRef idx="0">
+            <a:schemeClr val="accent1"/>
+          </a:fillRef>
+          <a:effectRef idx="0">
+            <a:schemeClr val="accent1"/>
+          </a:effectRef>
+          <a:fontRef idx="minor">
+            <a:schemeClr val="tx1"/>
+          </a:fontRef>
+        </p:style>
+      </p:cxnSp>
+      <p:cxnSp>
+        <p:nvCxnSpPr>
+          <p:cNvPr id="43" name="Straight Arrow Connector 42">
+            <a:extLst>
+              <a:ext uri="{FF2B5EF4-FFF2-40B4-BE49-F238E27FC236}">
+                <a16:creationId xmlns:a16="http://schemas.microsoft.com/office/drawing/2014/main" id="{9AD12D53-CB4A-E8C6-FC3F-3C1C18708A1A}"/>
+              </a:ext>
+            </a:extLst>
+          </p:cNvPr>
+          <p:cNvCxnSpPr>
+            <a:stCxn id="31" idx="1"/>
+            <a:endCxn id="35" idx="1"/>
+          </p:cNvCxnSpPr>
+          <p:nvPr/>
+        </p:nvCxnSpPr>
+        <p:spPr>
+          <a:xfrm>
+            <a:off x="8272731" y="3749313"/>
+            <a:ext cx="1160404" cy="511115"/>
+          </a:xfrm>
+          <a:prstGeom prst="straightConnector1">
+            <a:avLst/>
+          </a:prstGeom>
+          <a:ln>
+            <a:tailEnd type="triangle"/>
+          </a:ln>
+        </p:spPr>
+        <p:style>
+          <a:lnRef idx="1">
+            <a:schemeClr val="accent1"/>
+          </a:lnRef>
+          <a:fillRef idx="0">
+            <a:schemeClr val="accent1"/>
+          </a:fillRef>
+          <a:effectRef idx="0">
+            <a:schemeClr val="accent1"/>
+          </a:effectRef>
+          <a:fontRef idx="minor">
+            <a:schemeClr val="tx1"/>
+          </a:fontRef>
+        </p:style>
+      </p:cxnSp>
+      <p:cxnSp>
+        <p:nvCxnSpPr>
+          <p:cNvPr id="44" name="Straight Arrow Connector 43">
+            <a:extLst>
+              <a:ext uri="{FF2B5EF4-FFF2-40B4-BE49-F238E27FC236}">
+                <a16:creationId xmlns:a16="http://schemas.microsoft.com/office/drawing/2014/main" id="{F8153948-12B2-972E-82F6-6B9871FE2E5A}"/>
+              </a:ext>
+            </a:extLst>
+          </p:cNvPr>
+          <p:cNvCxnSpPr>
+            <a:stCxn id="35" idx="1"/>
+            <a:endCxn id="40" idx="1"/>
+          </p:cNvCxnSpPr>
+          <p:nvPr/>
+        </p:nvCxnSpPr>
+        <p:spPr>
+          <a:xfrm flipH="1">
+            <a:off x="8272731" y="4260428"/>
+            <a:ext cx="1160404" cy="677173"/>
+          </a:xfrm>
+          <a:prstGeom prst="straightConnector1">
+            <a:avLst/>
+          </a:prstGeom>
+          <a:ln>
+            <a:tailEnd type="triangle"/>
+          </a:ln>
+        </p:spPr>
+        <p:style>
+          <a:lnRef idx="1">
+            <a:schemeClr val="accent1"/>
+          </a:lnRef>
+          <a:fillRef idx="0">
+            <a:schemeClr val="accent1"/>
+          </a:fillRef>
+          <a:effectRef idx="0">
+            <a:schemeClr val="accent1"/>
+          </a:effectRef>
+          <a:fontRef idx="minor">
+            <a:schemeClr val="tx1"/>
+          </a:fontRef>
+        </p:style>
+      </p:cxnSp>
+      <p:sp>
+        <p:nvSpPr>
+          <p:cNvPr id="45" name="TextBox 44">
+            <a:extLst>
+              <a:ext uri="{FF2B5EF4-FFF2-40B4-BE49-F238E27FC236}">
+                <a16:creationId xmlns:a16="http://schemas.microsoft.com/office/drawing/2014/main" id="{3F98E12E-A977-26AB-1625-0C51155FAC0F}"/>
+              </a:ext>
+            </a:extLst>
+          </p:cNvPr>
+          <p:cNvSpPr txBox="1"/>
+          <p:nvPr/>
+        </p:nvSpPr>
+        <p:spPr>
+          <a:xfrm>
+            <a:off x="2210359" y="729427"/>
+            <a:ext cx="1085746" cy="369332"/>
+          </a:xfrm>
+          <a:prstGeom prst="rect">
+            <a:avLst/>
+          </a:prstGeom>
+          <a:noFill/>
+        </p:spPr>
+        <p:txBody>
+          <a:bodyPr wrap="none" rtlCol="0">
+            <a:spAutoFit/>
+          </a:bodyPr>
+          <a:lstStyle/>
+          <a:p>
+            <a:r>
+              <a:rPr lang="en-US" dirty="0"/>
+              <a:t>Organizer</a:t>
+            </a:r>
+          </a:p>
+        </p:txBody>
+      </p:sp>
+      <p:sp>
+        <p:nvSpPr>
+          <p:cNvPr id="46" name="TextBox 45">
+            <a:extLst>
+              <a:ext uri="{FF2B5EF4-FFF2-40B4-BE49-F238E27FC236}">
+                <a16:creationId xmlns:a16="http://schemas.microsoft.com/office/drawing/2014/main" id="{00625A49-A908-CEDE-5701-D1B63CEFEF53}"/>
+              </a:ext>
+            </a:extLst>
+          </p:cNvPr>
+          <p:cNvSpPr txBox="1"/>
+          <p:nvPr/>
+        </p:nvSpPr>
+        <p:spPr>
+          <a:xfrm>
+            <a:off x="2001867" y="1919177"/>
+            <a:ext cx="1288494" cy="369332"/>
+          </a:xfrm>
+          <a:prstGeom prst="rect">
+            <a:avLst/>
+          </a:prstGeom>
+          <a:noFill/>
+        </p:spPr>
+        <p:txBody>
+          <a:bodyPr wrap="none" rtlCol="0">
+            <a:spAutoFit/>
+          </a:bodyPr>
+          <a:lstStyle/>
+          <a:p>
+            <a:r>
+              <a:rPr lang="en-US" dirty="0"/>
+              <a:t>Participants</a:t>
+            </a:r>
+          </a:p>
+        </p:txBody>
+      </p:sp>
+      <p:sp>
+        <p:nvSpPr>
+          <p:cNvPr id="47" name="TextBox 46">
+            <a:extLst>
+              <a:ext uri="{FF2B5EF4-FFF2-40B4-BE49-F238E27FC236}">
+                <a16:creationId xmlns:a16="http://schemas.microsoft.com/office/drawing/2014/main" id="{33BE0EA8-30A2-99F9-F7E7-4583D052FD14}"/>
+              </a:ext>
+            </a:extLst>
+          </p:cNvPr>
+          <p:cNvSpPr txBox="1"/>
+          <p:nvPr/>
+        </p:nvSpPr>
+        <p:spPr>
+          <a:xfrm>
+            <a:off x="2091635" y="3564646"/>
+            <a:ext cx="1198726" cy="369332"/>
+          </a:xfrm>
+          <a:prstGeom prst="rect">
+            <a:avLst/>
+          </a:prstGeom>
+          <a:noFill/>
+        </p:spPr>
+        <p:txBody>
+          <a:bodyPr wrap="none" rtlCol="0">
+            <a:spAutoFit/>
+          </a:bodyPr>
+          <a:lstStyle/>
+          <a:p>
+            <a:r>
+              <a:rPr lang="en-US" dirty="0"/>
+              <a:t>Participant</a:t>
+            </a:r>
+          </a:p>
+        </p:txBody>
+      </p:sp>
+      <p:sp>
+        <p:nvSpPr>
+          <p:cNvPr id="48" name="TextBox 47">
+            <a:extLst>
+              <a:ext uri="{FF2B5EF4-FFF2-40B4-BE49-F238E27FC236}">
+                <a16:creationId xmlns:a16="http://schemas.microsoft.com/office/drawing/2014/main" id="{E70F4659-797B-CABD-4802-C581829B6EB1}"/>
+              </a:ext>
+            </a:extLst>
+          </p:cNvPr>
+          <p:cNvSpPr txBox="1"/>
+          <p:nvPr/>
+        </p:nvSpPr>
+        <p:spPr>
+          <a:xfrm>
+            <a:off x="2204615" y="4752934"/>
+            <a:ext cx="1085746" cy="369332"/>
+          </a:xfrm>
+          <a:prstGeom prst="rect">
+            <a:avLst/>
+          </a:prstGeom>
+          <a:noFill/>
+        </p:spPr>
+        <p:txBody>
+          <a:bodyPr wrap="none" rtlCol="0">
+            <a:spAutoFit/>
+          </a:bodyPr>
+          <a:lstStyle/>
+          <a:p>
+            <a:r>
+              <a:rPr lang="en-US" dirty="0"/>
+              <a:t>Organizer</a:t>
+            </a:r>
+          </a:p>
+        </p:txBody>
+      </p:sp>
+    </p:spTree>
+    <p:extLst>
+      <p:ext uri="{BB962C8B-B14F-4D97-AF65-F5344CB8AC3E}">
+        <p14:creationId xmlns:p14="http://schemas.microsoft.com/office/powerpoint/2010/main" val="815286634"/>
+      </p:ext>
+    </p:extLst>
+  </p:cSld>
+  <p:clrMapOvr>
+    <a:masterClrMapping/>
+  </p:clrMapOvr>
+</p:sld>
+</file>
+
 <file path=ppt/theme/theme1.xml><?xml version="1.0" encoding="utf-8"?>
 <a:theme xmlns:a="http://schemas.openxmlformats.org/drawingml/2006/main" name="Office Theme">
   <a:themeElements>
